--- a/Task 4/Group_22.pptx
+++ b/Task 4/Group_22.pptx
@@ -129,7 +129,7 @@
   </p:defaultTextStyle>
   <p:extLst>
     <p:ext uri="{EFAFB233-063F-42B5-8137-9DF3F51BA10A}">
-      <p15:sldGuideLst xmlns:p15="http://schemas.microsoft.com/office/powerpoint/2012/main" xmlns="">
+      <p15:sldGuideLst xmlns="" xmlns:p15="http://schemas.microsoft.com/office/powerpoint/2012/main">
         <p15:guide id="1" orient="horz" pos="2160">
           <p15:clr>
             <a:srgbClr val="A4A3A4"/>
@@ -4834,11 +4834,6 @@
               </a:rPr>
               <a:t>steps involved in a user reporting a disaster event and requesting assistance during a disaster. </a:t>
             </a:r>
-            <a:endParaRPr lang="en-US" dirty="0">
-              <a:solidFill>
-                <a:schemeClr val="tx2"/>
-              </a:solidFill>
-            </a:endParaRPr>
           </a:p>
           <a:p>
             <a:pPr marL="0" indent="0">
@@ -6070,7 +6065,31 @@
                   <a:schemeClr val="tx2"/>
                 </a:solidFill>
               </a:rPr>
-              <a:t>Ensure contact image is correctly provided</a:t>
+              <a:t>Ensure </a:t>
+            </a:r>
+            <a:r>
+              <a:rPr lang="en-US" smtClean="0">
+                <a:solidFill>
+                  <a:schemeClr val="tx2"/>
+                </a:solidFill>
+              </a:rPr>
+              <a:t>contact </a:t>
+            </a:r>
+            <a:r>
+              <a:rPr lang="en-US" smtClean="0">
+                <a:solidFill>
+                  <a:schemeClr val="tx2"/>
+                </a:solidFill>
+              </a:rPr>
+              <a:t>info is </a:t>
+            </a:r>
+            <a:r>
+              <a:rPr lang="en-US" dirty="0" smtClean="0">
+                <a:solidFill>
+                  <a:schemeClr val="tx2"/>
+                </a:solidFill>
+              </a:rPr>
+              <a:t>correctly provided</a:t>
             </a:r>
           </a:p>
           <a:p>
